--- a/files/TRB_Call for Entries_June112020.pptx
+++ b/files/TRB_Call for Entries_June112020.pptx
@@ -1034,7 +1034,7 @@
           <a:p>
             <a:fld id="{F46E6E1D-8FF5-4772-813C-5668F1AE4AB9}" type="datetimeFigureOut">
               <a:rPr lang="en-US" smtClean="0"/>
-              <a:t>6/11/2020</a:t>
+              <a:t>8/10/2020</a:t>
             </a:fld>
             <a:endParaRPr lang="en-US"/>
           </a:p>
@@ -1204,7 +1204,7 @@
           <a:p>
             <a:fld id="{F46E6E1D-8FF5-4772-813C-5668F1AE4AB9}" type="datetimeFigureOut">
               <a:rPr lang="en-US" smtClean="0"/>
-              <a:t>6/11/2020</a:t>
+              <a:t>8/10/2020</a:t>
             </a:fld>
             <a:endParaRPr lang="en-US"/>
           </a:p>
@@ -1384,7 +1384,7 @@
           <a:p>
             <a:fld id="{F46E6E1D-8FF5-4772-813C-5668F1AE4AB9}" type="datetimeFigureOut">
               <a:rPr lang="en-US" smtClean="0"/>
-              <a:t>6/11/2020</a:t>
+              <a:t>8/10/2020</a:t>
             </a:fld>
             <a:endParaRPr lang="en-US"/>
           </a:p>
@@ -1554,7 +1554,7 @@
           <a:p>
             <a:fld id="{F46E6E1D-8FF5-4772-813C-5668F1AE4AB9}" type="datetimeFigureOut">
               <a:rPr lang="en-US" smtClean="0"/>
-              <a:t>6/11/2020</a:t>
+              <a:t>8/10/2020</a:t>
             </a:fld>
             <a:endParaRPr lang="en-US"/>
           </a:p>
@@ -1798,7 +1798,7 @@
           <a:p>
             <a:fld id="{F46E6E1D-8FF5-4772-813C-5668F1AE4AB9}" type="datetimeFigureOut">
               <a:rPr lang="en-US" smtClean="0"/>
-              <a:t>6/11/2020</a:t>
+              <a:t>8/10/2020</a:t>
             </a:fld>
             <a:endParaRPr lang="en-US"/>
           </a:p>
@@ -2030,7 +2030,7 @@
           <a:p>
             <a:fld id="{F46E6E1D-8FF5-4772-813C-5668F1AE4AB9}" type="datetimeFigureOut">
               <a:rPr lang="en-US" smtClean="0"/>
-              <a:t>6/11/2020</a:t>
+              <a:t>8/10/2020</a:t>
             </a:fld>
             <a:endParaRPr lang="en-US"/>
           </a:p>
@@ -2397,7 +2397,7 @@
           <a:p>
             <a:fld id="{F46E6E1D-8FF5-4772-813C-5668F1AE4AB9}" type="datetimeFigureOut">
               <a:rPr lang="en-US" smtClean="0"/>
-              <a:t>6/11/2020</a:t>
+              <a:t>8/10/2020</a:t>
             </a:fld>
             <a:endParaRPr lang="en-US"/>
           </a:p>
@@ -2515,7 +2515,7 @@
           <a:p>
             <a:fld id="{F46E6E1D-8FF5-4772-813C-5668F1AE4AB9}" type="datetimeFigureOut">
               <a:rPr lang="en-US" smtClean="0"/>
-              <a:t>6/11/2020</a:t>
+              <a:t>8/10/2020</a:t>
             </a:fld>
             <a:endParaRPr lang="en-US"/>
           </a:p>
@@ -2610,7 +2610,7 @@
           <a:p>
             <a:fld id="{F46E6E1D-8FF5-4772-813C-5668F1AE4AB9}" type="datetimeFigureOut">
               <a:rPr lang="en-US" smtClean="0"/>
-              <a:t>6/11/2020</a:t>
+              <a:t>8/10/2020</a:t>
             </a:fld>
             <a:endParaRPr lang="en-US"/>
           </a:p>
@@ -2887,7 +2887,7 @@
           <a:p>
             <a:fld id="{F46E6E1D-8FF5-4772-813C-5668F1AE4AB9}" type="datetimeFigureOut">
               <a:rPr lang="en-US" smtClean="0"/>
-              <a:t>6/11/2020</a:t>
+              <a:t>8/10/2020</a:t>
             </a:fld>
             <a:endParaRPr lang="en-US"/>
           </a:p>
@@ -3144,7 +3144,7 @@
           <a:p>
             <a:fld id="{F46E6E1D-8FF5-4772-813C-5668F1AE4AB9}" type="datetimeFigureOut">
               <a:rPr lang="en-US" smtClean="0"/>
-              <a:t>6/11/2020</a:t>
+              <a:t>8/10/2020</a:t>
             </a:fld>
             <a:endParaRPr lang="en-US"/>
           </a:p>
@@ -3357,7 +3357,7 @@
           <a:p>
             <a:fld id="{F46E6E1D-8FF5-4772-813C-5668F1AE4AB9}" type="datetimeFigureOut">
               <a:rPr lang="en-US" smtClean="0"/>
-              <a:t>6/11/2020</a:t>
+              <a:t>8/10/2020</a:t>
             </a:fld>
             <a:endParaRPr lang="en-US"/>
           </a:p>
@@ -3993,7 +3993,7 @@
               <a:rPr lang="en-US" sz="1400" dirty="0">
                 <a:ea typeface="Arial" panose="020B0604020202020204" pitchFamily="34" charset="0"/>
               </a:rPr>
-              <a:t> for the details on how to submit your entry by August 1! Entries welcome in many categories such as operations, service planning or administration. </a:t>
+              <a:t> for the details on how to submit your entry by Sept. 1! Entries welcome in many categories such as operations, service planning or administration. </a:t>
             </a:r>
           </a:p>
           <a:p>
@@ -4046,7 +4046,7 @@
         <p:spPr>
           <a:xfrm>
             <a:off x="309716" y="1433704"/>
-            <a:ext cx="6343650" cy="1332168"/>
+            <a:ext cx="6503122" cy="1332168"/>
           </a:xfrm>
         </p:spPr>
         <p:txBody>
@@ -4060,7 +4060,7 @@
               <a:rPr lang="en-US" sz="3600" b="1" dirty="0">
                 <a:latin typeface="Century Gothic" panose="020B0502020202020204" pitchFamily="34" charset="0"/>
               </a:rPr>
-              <a:t>2021 TRB </a:t>
+              <a:t>2021 TRB – Submit by Sep. 1!</a:t>
             </a:r>
             <a:br>
               <a:rPr lang="en-US" sz="2400" dirty="0">
@@ -4101,8 +4101,8 @@
         </p:nvSpPr>
         <p:spPr>
           <a:xfrm>
-            <a:off x="3746095" y="2945342"/>
-            <a:ext cx="2402042" cy="856637"/>
+            <a:off x="3746095" y="2806320"/>
+            <a:ext cx="2402042" cy="995660"/>
           </a:xfrm>
           <a:prstGeom prst="rect">
             <a:avLst/>
@@ -4138,7 +4138,7 @@
               <a:rPr lang="en-US" sz="1600" b="1" dirty="0">
                 <a:latin typeface="Century Gothic" panose="020B0502020202020204" pitchFamily="34" charset="0"/>
               </a:rPr>
-              <a:t>Entries Due August 1 </a:t>
+              <a:t>Entry Deadline Extended to Sept. 1 </a:t>
             </a:r>
           </a:p>
           <a:p>
